--- a/presentation/Digitalization of an Insurance Application Process.pptx
+++ b/presentation/Digitalization of an Insurance Application Process.pptx
@@ -7030,6 +7030,91 @@
           </a:p>
         </p:txBody>
       </p:sp>
+      <p:pic>
+        <p:nvPicPr>
+          <p:cNvPr id="5" name="Picture 4">
+            <a:extLst>
+              <a:ext uri="{FF2B5EF4-FFF2-40B4-BE49-F238E27FC236}">
+                <a16:creationId xmlns:a16="http://schemas.microsoft.com/office/drawing/2014/main" id="{F04A6918-89E0-4B58-AE13-8AD605D548D9}"/>
+              </a:ext>
+            </a:extLst>
+          </p:cNvPr>
+          <p:cNvPicPr>
+            <a:picLocks noChangeAspect="1"/>
+          </p:cNvPicPr>
+          <p:nvPr/>
+        </p:nvPicPr>
+        <p:blipFill>
+          <a:blip r:embed="rId3">
+            <a:extLst>
+              <a:ext uri="{BEBA8EAE-BF5A-486C-A8C5-ECC9F3942E4B}">
+                <a14:imgProps xmlns:a14="http://schemas.microsoft.com/office/drawing/2010/main">
+                  <a14:imgLayer r:embed="rId4">
+                    <a14:imgEffect>
+                      <a14:backgroundRemoval t="9247" b="93493" l="6186" r="89863">
+                        <a14:foregroundMark x1="8935" y1="46233" x2="21649" y2="37329"/>
+                        <a14:foregroundMark x1="21649" y1="37329" x2="28007" y2="59932"/>
+                        <a14:foregroundMark x1="28007" y1="59932" x2="40550" y2="65068"/>
+                        <a14:foregroundMark x1="40550" y1="65068" x2="54639" y2="64726"/>
+                        <a14:foregroundMark x1="54639" y1="64726" x2="68557" y2="66781"/>
+                        <a14:foregroundMark x1="68557" y1="66781" x2="83849" y2="62671"/>
+                        <a14:foregroundMark x1="19072" y1="42123" x2="32474" y2="35959"/>
+                        <a14:foregroundMark x1="32474" y1="35959" x2="37973" y2="38356"/>
+                        <a14:foregroundMark x1="31959" y1="73630" x2="36942" y2="55137"/>
+                        <a14:foregroundMark x1="24399" y1="68836" x2="27835" y2="68836"/>
+                        <a14:foregroundMark x1="29038" y1="37329" x2="27320" y2="29452"/>
+                        <a14:foregroundMark x1="30241" y1="92123" x2="26460" y2="92466"/>
+                        <a14:foregroundMark x1="26289" y1="9589" x2="28522" y2="9589"/>
+                        <a14:foregroundMark x1="34021" y1="10616" x2="20447" y2="8904"/>
+                        <a14:foregroundMark x1="20447" y1="8904" x2="10137" y2="25685"/>
+                        <a14:foregroundMark x1="10137" y1="25685" x2="6357" y2="51370"/>
+                        <a14:foregroundMark x1="6357" y1="51370" x2="10653" y2="75685"/>
+                        <a14:foregroundMark x1="10653" y1="75685" x2="20962" y2="92123"/>
+                        <a14:foregroundMark x1="20962" y1="92123" x2="34536" y2="92466"/>
+                        <a14:foregroundMark x1="34536" y1="92466" x2="45017" y2="76027"/>
+                        <a14:foregroundMark x1="45017" y1="76027" x2="49141" y2="50000"/>
+                        <a14:foregroundMark x1="49141" y1="50000" x2="43299" y2="26712"/>
+                        <a14:foregroundMark x1="43299" y1="26712" x2="31787" y2="10616"/>
+                        <a14:foregroundMark x1="33677" y1="11986" x2="20790" y2="9247"/>
+                        <a14:foregroundMark x1="20790" y1="9247" x2="10653" y2="25685"/>
+                        <a14:foregroundMark x1="10653" y1="25685" x2="5670" y2="49658"/>
+                        <a14:foregroundMark x1="5670" y1="49658" x2="9107" y2="75342"/>
+                        <a14:foregroundMark x1="9107" y1="75342" x2="19416" y2="91096"/>
+                        <a14:foregroundMark x1="19416" y1="91096" x2="32990" y2="93493"/>
+                        <a14:foregroundMark x1="32990" y1="93493" x2="43814" y2="78082"/>
+                        <a14:foregroundMark x1="43814" y1="78082" x2="49313" y2="54452"/>
+                        <a14:foregroundMark x1="49313" y1="54452" x2="45017" y2="29795"/>
+                        <a14:foregroundMark x1="45017" y1="29795" x2="34708" y2="12671"/>
+                        <a14:foregroundMark x1="34708" y1="12671" x2="45704" y2="26712"/>
+                        <a14:foregroundMark x1="45704" y1="26712" x2="46564" y2="55822"/>
+                        <a14:foregroundMark x1="46564" y1="55822" x2="44502" y2="64726"/>
+                        <a14:foregroundMark x1="41924" y1="69521" x2="44674" y2="63014"/>
+                        <a14:foregroundMark x1="44502" y1="71575" x2="46564" y2="70205"/>
+                        <a14:foregroundMark x1="48454" y1="68836" x2="45533" y2="67808"/>
+                      </a14:backgroundRemoval>
+                    </a14:imgEffect>
+                  </a14:imgLayer>
+                </a14:imgProps>
+              </a:ext>
+              <a:ext uri="{28A0092B-C50C-407E-A947-70E740481C1C}">
+                <a14:useLocalDpi xmlns:a14="http://schemas.microsoft.com/office/drawing/2010/main" val="0"/>
+              </a:ext>
+            </a:extLst>
+          </a:blip>
+          <a:stretch>
+            <a:fillRect/>
+          </a:stretch>
+        </p:blipFill>
+        <p:spPr>
+          <a:xfrm>
+            <a:off x="2998068" y="5373216"/>
+            <a:ext cx="2784432" cy="1397000"/>
+          </a:xfrm>
+          <a:prstGeom prst="rect">
+            <a:avLst/>
+          </a:prstGeom>
+        </p:spPr>
+      </p:pic>
     </p:spTree>
     <p:extLst>
       <p:ext uri="{BB962C8B-B14F-4D97-AF65-F5344CB8AC3E}">
@@ -7142,13 +7227,13 @@
   <p:clrMapOvr>
     <a:masterClrMapping/>
   </p:clrMapOvr>
-  <mc:AlternateContent xmlns:mc="http://schemas.openxmlformats.org/markup-compatibility/2006">
-    <mc:Choice xmlns:p159="http://schemas.microsoft.com/office/powerpoint/2015/09/main" Requires="p159">
+  <mc:AlternateContent xmlns:mc="http://schemas.openxmlformats.org/markup-compatibility/2006" xmlns:p159="http://schemas.microsoft.com/office/powerpoint/2015/09/main">
+    <mc:Choice Requires="p159">
       <p:transition xmlns:p14="http://schemas.microsoft.com/office/powerpoint/2010/main" spd="slow" p14:dur="2000" advClick="0" advTm="0">
         <p159:morph option="byObject"/>
       </p:transition>
     </mc:Choice>
-    <mc:Fallback>
+    <mc:Fallback xmlns="">
       <p:transition spd="slow" advClick="0" advTm="0">
         <p:fade/>
       </p:transition>
@@ -7244,13 +7329,13 @@
   <p:clrMapOvr>
     <a:masterClrMapping/>
   </p:clrMapOvr>
-  <mc:AlternateContent xmlns:mc="http://schemas.openxmlformats.org/markup-compatibility/2006">
-    <mc:Choice xmlns:p159="http://schemas.microsoft.com/office/powerpoint/2015/09/main" Requires="p159">
+  <mc:AlternateContent xmlns:mc="http://schemas.openxmlformats.org/markup-compatibility/2006" xmlns:p159="http://schemas.microsoft.com/office/powerpoint/2015/09/main">
+    <mc:Choice Requires="p159">
       <p:transition xmlns:p14="http://schemas.microsoft.com/office/powerpoint/2010/main" spd="slow" p14:dur="2000">
         <p159:morph option="byObject"/>
       </p:transition>
     </mc:Choice>
-    <mc:Fallback>
+    <mc:Fallback xmlns="">
       <p:transition spd="slow">
         <p:fade/>
       </p:transition>
@@ -7705,13 +7790,13 @@
   <p:clrMapOvr>
     <a:masterClrMapping/>
   </p:clrMapOvr>
-  <mc:AlternateContent xmlns:mc="http://schemas.openxmlformats.org/markup-compatibility/2006">
-    <mc:Choice xmlns:p159="http://schemas.microsoft.com/office/powerpoint/2015/09/main" Requires="p159">
+  <mc:AlternateContent xmlns:mc="http://schemas.openxmlformats.org/markup-compatibility/2006" xmlns:p159="http://schemas.microsoft.com/office/powerpoint/2015/09/main">
+    <mc:Choice Requires="p159">
       <p:transition xmlns:p14="http://schemas.microsoft.com/office/powerpoint/2010/main" spd="slow" p14:dur="2000">
         <p159:morph option="byObject"/>
       </p:transition>
     </mc:Choice>
-    <mc:Fallback>
+    <mc:Fallback xmlns="">
       <p:transition spd="slow">
         <p:fade/>
       </p:transition>
@@ -7815,13 +7900,13 @@
   <p:clrMapOvr>
     <a:masterClrMapping/>
   </p:clrMapOvr>
-  <mc:AlternateContent xmlns:mc="http://schemas.openxmlformats.org/markup-compatibility/2006">
-    <mc:Choice xmlns:p159="http://schemas.microsoft.com/office/powerpoint/2015/09/main" Requires="p159">
+  <mc:AlternateContent xmlns:mc="http://schemas.openxmlformats.org/markup-compatibility/2006" xmlns:p159="http://schemas.microsoft.com/office/powerpoint/2015/09/main">
+    <mc:Choice Requires="p159">
       <p:transition xmlns:p14="http://schemas.microsoft.com/office/powerpoint/2010/main" spd="slow" p14:dur="2000">
         <p159:morph option="byObject"/>
       </p:transition>
     </mc:Choice>
-    <mc:Fallback>
+    <mc:Fallback xmlns="">
       <p:transition spd="slow">
         <p:fade/>
       </p:transition>
@@ -7925,13 +8010,13 @@
   <p:clrMapOvr>
     <a:masterClrMapping/>
   </p:clrMapOvr>
-  <mc:AlternateContent xmlns:mc="http://schemas.openxmlformats.org/markup-compatibility/2006">
-    <mc:Choice xmlns:p159="http://schemas.microsoft.com/office/powerpoint/2015/09/main" Requires="p159">
+  <mc:AlternateContent xmlns:mc="http://schemas.openxmlformats.org/markup-compatibility/2006" xmlns:p159="http://schemas.microsoft.com/office/powerpoint/2015/09/main">
+    <mc:Choice Requires="p159">
       <p:transition xmlns:p14="http://schemas.microsoft.com/office/powerpoint/2010/main" spd="slow" p14:dur="2000">
         <p159:morph option="byObject"/>
       </p:transition>
     </mc:Choice>
-    <mc:Fallback>
+    <mc:Fallback xmlns="">
       <p:transition spd="slow">
         <p:fade/>
       </p:transition>
@@ -8035,13 +8120,13 @@
   <p:clrMapOvr>
     <a:masterClrMapping/>
   </p:clrMapOvr>
-  <mc:AlternateContent xmlns:mc="http://schemas.openxmlformats.org/markup-compatibility/2006">
-    <mc:Choice xmlns:p159="http://schemas.microsoft.com/office/powerpoint/2015/09/main" Requires="p159">
+  <mc:AlternateContent xmlns:mc="http://schemas.openxmlformats.org/markup-compatibility/2006" xmlns:p159="http://schemas.microsoft.com/office/powerpoint/2015/09/main">
+    <mc:Choice Requires="p159">
       <p:transition xmlns:p14="http://schemas.microsoft.com/office/powerpoint/2010/main" spd="slow" p14:dur="2000">
         <p159:morph option="byObject"/>
       </p:transition>
     </mc:Choice>
-    <mc:Fallback>
+    <mc:Fallback xmlns="">
       <p:transition spd="slow">
         <p:fade/>
       </p:transition>
@@ -8229,13 +8314,13 @@
   <p:clrMapOvr>
     <a:masterClrMapping/>
   </p:clrMapOvr>
-  <mc:AlternateContent xmlns:mc="http://schemas.openxmlformats.org/markup-compatibility/2006">
-    <mc:Choice xmlns:p159="http://schemas.microsoft.com/office/powerpoint/2015/09/main" Requires="p159">
+  <mc:AlternateContent xmlns:mc="http://schemas.openxmlformats.org/markup-compatibility/2006" xmlns:p159="http://schemas.microsoft.com/office/powerpoint/2015/09/main">
+    <mc:Choice Requires="p159">
       <p:transition xmlns:p14="http://schemas.microsoft.com/office/powerpoint/2010/main" spd="slow" p14:dur="2000">
         <p159:morph option="byObject"/>
       </p:transition>
     </mc:Choice>
-    <mc:Fallback>
+    <mc:Fallback xmlns="">
       <p:transition spd="slow">
         <p:fade/>
       </p:transition>
@@ -8377,13 +8462,13 @@
   <p:clrMapOvr>
     <a:masterClrMapping/>
   </p:clrMapOvr>
-  <mc:AlternateContent xmlns:mc="http://schemas.openxmlformats.org/markup-compatibility/2006">
-    <mc:Choice xmlns:p159="http://schemas.microsoft.com/office/powerpoint/2015/09/main" Requires="p159">
+  <mc:AlternateContent xmlns:mc="http://schemas.openxmlformats.org/markup-compatibility/2006" xmlns:p159="http://schemas.microsoft.com/office/powerpoint/2015/09/main">
+    <mc:Choice Requires="p159">
       <p:transition xmlns:p14="http://schemas.microsoft.com/office/powerpoint/2010/main" spd="slow" p14:dur="2000">
         <p159:morph option="byObject"/>
       </p:transition>
     </mc:Choice>
-    <mc:Fallback>
+    <mc:Fallback xmlns="">
       <p:transition spd="slow">
         <p:fade/>
       </p:transition>
@@ -8535,11 +8620,11 @@
   <p:clrMapOvr>
     <a:masterClrMapping/>
   </p:clrMapOvr>
-  <mc:AlternateContent xmlns:mc="http://schemas.openxmlformats.org/markup-compatibility/2006">
-    <mc:Choice xmlns:p14="http://schemas.microsoft.com/office/powerpoint/2010/main" Requires="p14">
+  <mc:AlternateContent xmlns:mc="http://schemas.openxmlformats.org/markup-compatibility/2006" xmlns:p14="http://schemas.microsoft.com/office/powerpoint/2010/main">
+    <mc:Choice Requires="p14">
       <p:transition p14:dur="0"/>
     </mc:Choice>
-    <mc:Fallback>
+    <mc:Fallback xmlns="">
       <p:transition/>
     </mc:Fallback>
   </mc:AlternateContent>
@@ -8681,13 +8766,13 @@
   <p:clrMapOvr>
     <a:masterClrMapping/>
   </p:clrMapOvr>
-  <mc:AlternateContent xmlns:mc="http://schemas.openxmlformats.org/markup-compatibility/2006">
-    <mc:Choice xmlns:p159="http://schemas.microsoft.com/office/powerpoint/2015/09/main" Requires="p159">
+  <mc:AlternateContent xmlns:mc="http://schemas.openxmlformats.org/markup-compatibility/2006" xmlns:p159="http://schemas.microsoft.com/office/powerpoint/2015/09/main">
+    <mc:Choice Requires="p159">
       <p:transition xmlns:p14="http://schemas.microsoft.com/office/powerpoint/2010/main" spd="slow" p14:dur="2000">
         <p159:morph option="byObject"/>
       </p:transition>
     </mc:Choice>
-    <mc:Fallback>
+    <mc:Fallback xmlns="">
       <p:transition spd="slow">
         <p:fade/>
       </p:transition>
@@ -8705,6 +8790,9 @@
                     <p:cTn id="3" fill="hold">
                       <p:stCondLst>
                         <p:cond delay="indefinite"/>
+                        <p:cond evt="onBegin" delay="0">
+                          <p:tn val="2"/>
+                        </p:cond>
                       </p:stCondLst>
                       <p:childTnLst>
                         <p:par>
@@ -8714,7 +8802,7 @@
                             </p:stCondLst>
                             <p:childTnLst>
                               <p:par>
-                                <p:cTn id="5" presetID="2" presetClass="entr" presetSubtype="8" fill="hold" grpId="0" nodeType="clickEffect">
+                                <p:cTn id="5" presetID="2" presetClass="entr" presetSubtype="8" fill="hold" grpId="0" nodeType="afterEffect">
                                   <p:stCondLst>
                                     <p:cond delay="0"/>
                                   </p:stCondLst>
@@ -9281,13 +9369,13 @@
   <p:clrMapOvr>
     <a:masterClrMapping/>
   </p:clrMapOvr>
-  <mc:AlternateContent xmlns:mc="http://schemas.openxmlformats.org/markup-compatibility/2006">
-    <mc:Choice xmlns:p159="http://schemas.microsoft.com/office/powerpoint/2015/09/main" Requires="p159">
+  <mc:AlternateContent xmlns:mc="http://schemas.openxmlformats.org/markup-compatibility/2006" xmlns:p159="http://schemas.microsoft.com/office/powerpoint/2015/09/main">
+    <mc:Choice Requires="p159">
       <p:transition xmlns:p14="http://schemas.microsoft.com/office/powerpoint/2010/main" spd="slow" p14:dur="2000">
         <p159:morph option="byObject"/>
       </p:transition>
     </mc:Choice>
-    <mc:Fallback>
+    <mc:Fallback xmlns="">
       <p:transition spd="slow">
         <p:fade/>
       </p:transition>
@@ -9383,13 +9471,13 @@
   <p:clrMapOvr>
     <a:masterClrMapping/>
   </p:clrMapOvr>
-  <mc:AlternateContent xmlns:mc="http://schemas.openxmlformats.org/markup-compatibility/2006">
-    <mc:Choice xmlns:p159="http://schemas.microsoft.com/office/powerpoint/2015/09/main" Requires="p159">
+  <mc:AlternateContent xmlns:mc="http://schemas.openxmlformats.org/markup-compatibility/2006" xmlns:p159="http://schemas.microsoft.com/office/powerpoint/2015/09/main">
+    <mc:Choice Requires="p159">
       <p:transition xmlns:p14="http://schemas.microsoft.com/office/powerpoint/2010/main" spd="slow" p14:dur="2000" advClick="0" advTm="0">
         <p159:morph option="byObject"/>
       </p:transition>
     </mc:Choice>
-    <mc:Fallback>
+    <mc:Fallback xmlns="">
       <p:transition spd="slow" advClick="0" advTm="0">
         <p:fade/>
       </p:transition>
@@ -9485,13 +9573,13 @@
   <p:clrMapOvr>
     <a:masterClrMapping/>
   </p:clrMapOvr>
-  <mc:AlternateContent xmlns:mc="http://schemas.openxmlformats.org/markup-compatibility/2006">
-    <mc:Choice xmlns:p159="http://schemas.microsoft.com/office/powerpoint/2015/09/main" Requires="p159">
+  <mc:AlternateContent xmlns:mc="http://schemas.openxmlformats.org/markup-compatibility/2006" xmlns:p159="http://schemas.microsoft.com/office/powerpoint/2015/09/main">
+    <mc:Choice Requires="p159">
       <p:transition xmlns:p14="http://schemas.microsoft.com/office/powerpoint/2010/main" spd="slow" p14:dur="2000" advClick="0" advTm="0">
         <p159:morph option="byObject"/>
       </p:transition>
     </mc:Choice>
-    <mc:Fallback>
+    <mc:Fallback xmlns="">
       <p:transition spd="slow" advClick="0" advTm="0">
         <p:fade/>
       </p:transition>

--- a/presentation/Digitalization of an Insurance Application Process.pptx
+++ b/presentation/Digitalization of an Insurance Application Process.pptx
@@ -296,7 +296,7 @@
           <a:p>
             <a:fld id="{24CE221E-83ED-4F6C-BA5F-3F9E6FDB6953}" type="datetimeFigureOut">
               <a:rPr lang="en-US"/>
-              <a:t>31-May-18</a:t>
+              <a:t>07-Jun-18</a:t>
             </a:fld>
             <a:endParaRPr dirty="0"/>
           </a:p>
@@ -461,7 +461,7 @@
           <a:p>
             <a:fld id="{97853E5F-CE67-483C-A264-F17AC70E9CA2}" type="datetimeFigureOut">
               <a:rPr lang="en-US"/>
-              <a:t>31-May-18</a:t>
+              <a:t>07-Jun-18</a:t>
             </a:fld>
             <a:endParaRPr dirty="0"/>
           </a:p>
@@ -851,6 +851,12 @@
           <a:bodyPr/>
           <a:lstStyle/>
           <a:p>
+            <a:r>
+              <a:rPr lang="en-US" dirty="0"/>
+              <a:t>To make a process digital we first have to take a look at what a typical process looks like today. When looking at a typical non digitalized process for applying for insurance it becomes clear that it involves a lot human interaction. What we see here is a typical insurance application process which is tedious and contains over 9 tasks consisting of human decision making or processing.</a:t>
+            </a:r>
+          </a:p>
+          <a:p>
             <a:endParaRPr lang="en-US" dirty="0"/>
           </a:p>
         </p:txBody>
@@ -995,6 +1001,12 @@
           <a:bodyPr/>
           <a:lstStyle/>
           <a:p>
+            <a:r>
+              <a:rPr lang="en-US" dirty="0"/>
+              <a:t>To make a process digital we first have to take a look at what a typical process looks like today. When looking at a typical non digitalized process for applying for insurance it becomes clear that it involves a lot human interaction. What we see here is a typical insurance application process which is tedious and contains over 9 tasks consisting of human decision making or processing.</a:t>
+            </a:r>
+          </a:p>
+          <a:p>
             <a:endParaRPr lang="en-US" dirty="0"/>
           </a:p>
         </p:txBody>
@@ -1081,15 +1093,7 @@
           <a:p>
             <a:r>
               <a:rPr lang="en-US" dirty="0"/>
-              <a:t>So from theses </a:t>
-            </a:r>
-            <a:r>
-              <a:rPr lang="en-US" dirty="0" err="1"/>
-              <a:t>criterias</a:t>
-            </a:r>
-            <a:r>
-              <a:rPr lang="en-US" dirty="0"/>
-              <a:t> and the as is process we created the following hill to have as our fixpoint on the horizon.</a:t>
+              <a:t>So from theses criteria's and the as is process we created the following hill to have as our fixpoint on the horizon.</a:t>
             </a:r>
           </a:p>
         </p:txBody>
@@ -1478,7 +1482,7 @@
             </a:r>
             <a:r>
               <a:rPr lang="en-US" dirty="0"/>
-              <a:t> as touchpoint with our conversation.</a:t>
+              <a:t> as the starting point for our conversation.</a:t>
             </a:r>
           </a:p>
         </p:txBody>
@@ -2517,18 +2521,7 @@
           <a:bodyPr/>
           <a:lstStyle/>
           <a:p>
-            <a:r>
-              <a:rPr lang="en-US" dirty="0"/>
-              <a:t>When looking at a typical non digitalized process for applying for insurance it becomes clear that it involves a lot human interaction. What we see here is a typical insurance application process which is </a:t>
-            </a:r>
-            <a:r>
-              <a:rPr lang="en-US" dirty="0" err="1"/>
-              <a:t>tidous</a:t>
-            </a:r>
-            <a:r>
-              <a:rPr lang="en-US" dirty="0"/>
-              <a:t> and contains 4 tasks consisting of human decision making or processing.</a:t>
-            </a:r>
+            <a:endParaRPr lang="en-US" dirty="0"/>
           </a:p>
         </p:txBody>
       </p:sp>
@@ -3409,15 +3402,7 @@
           <a:p>
             <a:r>
               <a:rPr lang="en-US" dirty="0"/>
-              <a:t>To make a process digital we first have to take a look at what a typical process looks like today. When looking at a typical non digitalized process for applying for insurance it becomes clear that it involves a lot human interaction. What we see here is a typical insurance application process which is </a:t>
-            </a:r>
-            <a:r>
-              <a:rPr lang="en-US" dirty="0" err="1"/>
-              <a:t>tidous</a:t>
-            </a:r>
-            <a:r>
-              <a:rPr lang="en-US" dirty="0"/>
-              <a:t> and contains 4 tasks consisting of human decision making or processing.</a:t>
+              <a:t>To make a process digital we first have to take a look at what a typical process looks like today. When looking at a typical non digitalized process for applying for insurance it becomes clear that it involves a lot human interaction. What we see here is a typical insurance application process which is tedious and contains over 9 tasks consisting of human decision making or processing.</a:t>
             </a:r>
           </a:p>
         </p:txBody>
@@ -3501,6 +3486,12 @@
         <p:txBody>
           <a:bodyPr/>
           <a:lstStyle/>
+          <a:p>
+            <a:r>
+              <a:rPr lang="en-US" dirty="0"/>
+              <a:t>To make a process digital we first have to take a look at what a typical process looks like today. When looking at a typical non digitalized process for applying for insurance it becomes clear that it involves a lot human interaction. What we see here is a typical insurance application process which is tedious and contains over 9 tasks consisting of human decision making or processing.</a:t>
+            </a:r>
+          </a:p>
           <a:p>
             <a:endParaRPr lang="en-US" dirty="0"/>
           </a:p>
@@ -3645,6 +3636,12 @@
         <p:txBody>
           <a:bodyPr/>
           <a:lstStyle/>
+          <a:p>
+            <a:r>
+              <a:rPr lang="en-US" dirty="0"/>
+              <a:t>To make a process digital we first have to take a look at what a typical process looks like today. When looking at a typical non digitalized process for applying for insurance it becomes clear that it involves a lot human interaction. What we see here is a typical insurance application process which is tedious and contains over 9 tasks consisting of human decision making or processing.</a:t>
+            </a:r>
+          </a:p>
           <a:p>
             <a:endParaRPr lang="en-US" dirty="0"/>
           </a:p>
@@ -3932,7 +3929,7 @@
           <a:p>
             <a:fld id="{3E0FA9E5-6744-4841-888F-9E7CC0C2B7EC}" type="datetimeFigureOut">
               <a:rPr lang="en-US" smtClean="0"/>
-              <a:t>31-May-18</a:t>
+              <a:t>07-Jun-18</a:t>
             </a:fld>
             <a:endParaRPr lang="en-US" dirty="0"/>
           </a:p>
@@ -4122,7 +4119,7 @@
           <a:p>
             <a:fld id="{3E0FA9E5-6744-4841-888F-9E7CC0C2B7EC}" type="datetimeFigureOut">
               <a:rPr lang="en-US" smtClean="0"/>
-              <a:t>31-May-18</a:t>
+              <a:t>07-Jun-18</a:t>
             </a:fld>
             <a:endParaRPr lang="en-US" dirty="0"/>
           </a:p>
@@ -4317,7 +4314,7 @@
           <a:p>
             <a:fld id="{3E0FA9E5-6744-4841-888F-9E7CC0C2B7EC}" type="datetimeFigureOut">
               <a:rPr lang="en-US" smtClean="0"/>
-              <a:t>31-May-18</a:t>
+              <a:t>07-Jun-18</a:t>
             </a:fld>
             <a:endParaRPr lang="en-US" dirty="0"/>
           </a:p>
@@ -4502,7 +4499,7 @@
           <a:p>
             <a:fld id="{3E0FA9E5-6744-4841-888F-9E7CC0C2B7EC}" type="datetimeFigureOut">
               <a:rPr lang="en-US" smtClean="0"/>
-              <a:t>31-May-18</a:t>
+              <a:t>07-Jun-18</a:t>
             </a:fld>
             <a:endParaRPr lang="en-US" dirty="0"/>
           </a:p>
@@ -4771,7 +4768,7 @@
           <a:p>
             <a:fld id="{3E0FA9E5-6744-4841-888F-9E7CC0C2B7EC}" type="datetimeFigureOut">
               <a:rPr lang="en-US" smtClean="0"/>
-              <a:t>31-May-18</a:t>
+              <a:t>07-Jun-18</a:t>
             </a:fld>
             <a:endParaRPr lang="en-US" dirty="0"/>
           </a:p>
@@ -5078,7 +5075,7 @@
           <a:p>
             <a:fld id="{3E0FA9E5-6744-4841-888F-9E7CC0C2B7EC}" type="datetimeFigureOut">
               <a:rPr lang="en-US" smtClean="0"/>
-              <a:t>31-May-18</a:t>
+              <a:t>07-Jun-18</a:t>
             </a:fld>
             <a:endParaRPr lang="en-US" dirty="0"/>
           </a:p>
@@ -5534,7 +5531,7 @@
           <a:p>
             <a:fld id="{3E0FA9E5-6744-4841-888F-9E7CC0C2B7EC}" type="datetimeFigureOut">
               <a:rPr lang="en-US" smtClean="0"/>
-              <a:t>31-May-18</a:t>
+              <a:t>07-Jun-18</a:t>
             </a:fld>
             <a:endParaRPr lang="en-US" dirty="0"/>
           </a:p>
@@ -5667,7 +5664,7 @@
           <a:p>
             <a:fld id="{3E0FA9E5-6744-4841-888F-9E7CC0C2B7EC}" type="datetimeFigureOut">
               <a:rPr lang="en-US" smtClean="0"/>
-              <a:t>31-May-18</a:t>
+              <a:t>07-Jun-18</a:t>
             </a:fld>
             <a:endParaRPr lang="en-US" dirty="0"/>
           </a:p>
@@ -5777,7 +5774,7 @@
           <a:p>
             <a:fld id="{3E0FA9E5-6744-4841-888F-9E7CC0C2B7EC}" type="datetimeFigureOut">
               <a:rPr lang="en-US" smtClean="0"/>
-              <a:t>31-May-18</a:t>
+              <a:t>07-Jun-18</a:t>
             </a:fld>
             <a:endParaRPr lang="en-US" dirty="0"/>
           </a:p>
@@ -6088,7 +6085,7 @@
           <a:p>
             <a:fld id="{3E0FA9E5-6744-4841-888F-9E7CC0C2B7EC}" type="datetimeFigureOut">
               <a:rPr lang="en-US" smtClean="0"/>
-              <a:t>31-May-18</a:t>
+              <a:t>07-Jun-18</a:t>
             </a:fld>
             <a:endParaRPr lang="en-US" dirty="0"/>
           </a:p>
@@ -6565,7 +6562,7 @@
             <a:fld id="{3E0FA9E5-6744-4841-888F-9E7CC0C2B7EC}" type="datetimeFigureOut">
               <a:rPr lang="en-US" smtClean="0"/>
               <a:pPr/>
-              <a:t>31-May-18</a:t>
+              <a:t>07-Jun-18</a:t>
             </a:fld>
             <a:endParaRPr lang="en-US" dirty="0"/>
           </a:p>
@@ -7432,7 +7429,7 @@
                   <a:srgbClr val="92D050"/>
                 </a:solidFill>
               </a:rPr>
-              <a:t>using natural language and without human interaction. </a:t>
+              <a:t>using a simple form of communication and without human interaction. </a:t>
             </a:r>
           </a:p>
         </p:txBody>
@@ -9149,7 +9146,7 @@
                   <a:schemeClr val="bg1"/>
                 </a:solidFill>
               </a:rPr>
-              <a:t>“Tech savvy people between the age of 18 and 45 who are interested in having an uncomplicated way to apply for insurance  through digital channels rather than face to face through an insurance broker.”</a:t>
+              <a:t>“Tech savvy people between the age of 18 and 45 who are interested in having an uncomplicated way to apply for insurance through digital channels rather than face to face through an insurance broker.”</a:t>
             </a:r>
           </a:p>
         </p:txBody>

--- a/presentation/Digitalization of an Insurance Application Process.pptx
+++ b/presentation/Digitalization of an Insurance Application Process.pptx
@@ -853,7 +853,7 @@
           <a:p>
             <a:r>
               <a:rPr lang="en-US" dirty="0"/>
-              <a:t>To make a process digital we first have to take a look at what a typical process looks like today. When looking at a typical non digitalized process for applying for insurance it becomes clear that it involves a lot human interaction. What we see here is a typical insurance application process which is tedious and contains over 9 tasks consisting of human decision making or processing.</a:t>
+              <a:t>To make a process digital we first have to take a look at what a typical process looks like today. When looking at a typical non digitalized process for applying for insurance it becomes clear that it involves a lot human interaction. What we see here is a typical insurance application process which is tedious and consists of over 9 human decision making or processing tasks.</a:t>
             </a:r>
           </a:p>
           <a:p>
@@ -1002,7 +1002,7 @@
           <a:lstStyle/>
           <a:p>
             <a:r>
-              <a:rPr lang="en-US" dirty="0"/>
+              <a:rPr lang="en-US"/>
               <a:t>To make a process digital we first have to take a look at what a typical process looks like today. When looking at a typical non digitalized process for applying for insurance it becomes clear that it involves a lot human interaction. What we see here is a typical insurance application process which is tedious and contains over 9 tasks consisting of human decision making or processing.</a:t>
             </a:r>
           </a:p>
@@ -1093,7 +1093,7 @@
           <a:p>
             <a:r>
               <a:rPr lang="en-US" dirty="0"/>
-              <a:t>So from theses criteria's and the as is process we created the following hill to have as our fixpoint on the horizon.</a:t>
+              <a:t>So by trying to answer that question and from the state of a typical as is process we created the following hill to have as our fixpoint on the horizon.</a:t>
             </a:r>
           </a:p>
         </p:txBody>
@@ -1240,7 +1240,7 @@
           <a:p>
             <a:r>
               <a:rPr lang="en-US" dirty="0"/>
-              <a:t>How did we do this?</a:t>
+              <a:t>So with what concept did we come up with?</a:t>
             </a:r>
           </a:p>
         </p:txBody>
@@ -1474,7 +1474,7 @@
           <a:p>
             <a:r>
               <a:rPr lang="en-US" dirty="0"/>
-              <a:t>. We therefore decided to use google assistant and </a:t>
+              <a:t>. Using natural language as an input was the logical choice! We therefore decided to use google assistant and </a:t>
             </a:r>
             <a:r>
               <a:rPr lang="en-US" dirty="0" err="1"/>
@@ -1482,7 +1482,7 @@
             </a:r>
             <a:r>
               <a:rPr lang="en-US" dirty="0"/>
-              <a:t> as the starting point for our conversation.</a:t>
+              <a:t> as the starting point for our conversation. </a:t>
             </a:r>
           </a:p>
         </p:txBody>
@@ -3255,7 +3255,7 @@
           <a:p>
             <a:r>
               <a:rPr lang="en-US" dirty="0"/>
-              <a:t>Now for the second part of our question</a:t>
+              <a:t>Now for the second part of our question: the digital aspect of the question</a:t>
             </a:r>
           </a:p>
         </p:txBody>
@@ -3402,7 +3402,7 @@
           <a:p>
             <a:r>
               <a:rPr lang="en-US" dirty="0"/>
-              <a:t>To make a process digital we first have to take a look at what a typical process looks like today. When looking at a typical non digitalized process for applying for insurance it becomes clear that it involves a lot human interaction. What we see here is a typical insurance application process which is tedious and contains over 9 tasks consisting of human decision making or processing.</a:t>
+              <a:t>To make a process digital we first have to take a look at what a typical process looks like today. When looking at a typical non digitalized process for applying for insurance it becomes clear that it involves a lot human interaction. What we see here is a typical insurance application process which is tedious and consists of over 9 human decision making or processing tasks.</a:t>
             </a:r>
           </a:p>
         </p:txBody>
@@ -3489,7 +3489,7 @@
           <a:p>
             <a:r>
               <a:rPr lang="en-US" dirty="0"/>
-              <a:t>To make a process digital we first have to take a look at what a typical process looks like today. When looking at a typical non digitalized process for applying for insurance it becomes clear that it involves a lot human interaction. What we see here is a typical insurance application process which is tedious and contains over 9 tasks consisting of human decision making or processing.</a:t>
+              <a:t>To make a process digital we first have to take a look at what a typical process looks like today. When looking at a typical non digitalized process for applying for insurance it becomes clear that it involves a lot human interaction. What we see here is a typical insurance application process which is tedious and consists of over 9 human decision making or processing tasks.</a:t>
             </a:r>
           </a:p>
           <a:p>
@@ -3639,7 +3639,7 @@
           <a:p>
             <a:r>
               <a:rPr lang="en-US" dirty="0"/>
-              <a:t>To make a process digital we first have to take a look at what a typical process looks like today. When looking at a typical non digitalized process for applying for insurance it becomes clear that it involves a lot human interaction. What we see here is a typical insurance application process which is tedious and contains over 9 tasks consisting of human decision making or processing.</a:t>
+              <a:t>To make a process digital we first have to take a look at what a typical process looks like today. When looking at a typical non digitalized process for applying for insurance it becomes clear that it involves a lot human interaction. What we see here is a typical insurance application process which is tedious and consists of over 9 human decision making or processing tasks.</a:t>
             </a:r>
           </a:p>
           <a:p>

--- a/presentation/Digitalization of an Insurance Application Process.pptx
+++ b/presentation/Digitalization of an Insurance Application Process.pptx
@@ -5,10 +5,10 @@
     <p:sldMasterId id="2147483660" r:id="rId1"/>
   </p:sldMasterIdLst>
   <p:notesMasterIdLst>
-    <p:notesMasterId r:id="rId25"/>
+    <p:notesMasterId r:id="rId24"/>
   </p:notesMasterIdLst>
   <p:handoutMasterIdLst>
-    <p:handoutMasterId r:id="rId26"/>
+    <p:handoutMasterId r:id="rId25"/>
   </p:handoutMasterIdLst>
   <p:sldIdLst>
     <p:sldId id="264" r:id="rId2"/>
@@ -30,10 +30,9 @@
     <p:sldId id="280" r:id="rId18"/>
     <p:sldId id="281" r:id="rId19"/>
     <p:sldId id="287" r:id="rId20"/>
-    <p:sldId id="288" r:id="rId21"/>
-    <p:sldId id="290" r:id="rId22"/>
-    <p:sldId id="291" r:id="rId23"/>
-    <p:sldId id="293" r:id="rId24"/>
+    <p:sldId id="290" r:id="rId21"/>
+    <p:sldId id="291" r:id="rId22"/>
+    <p:sldId id="293" r:id="rId23"/>
   </p:sldIdLst>
   <p:sldSz cx="12188825" cy="6858000"/>
   <p:notesSz cx="6858000" cy="9144000"/>
@@ -296,7 +295,7 @@
           <a:p>
             <a:fld id="{24CE221E-83ED-4F6C-BA5F-3F9E6FDB6953}" type="datetimeFigureOut">
               <a:rPr lang="en-US"/>
-              <a:t>07-Jun-18</a:t>
+              <a:t>6/7/18</a:t>
             </a:fld>
             <a:endParaRPr dirty="0"/>
           </a:p>
@@ -362,7 +361,7 @@
           <a:p>
             <a:fld id="{CA4CBEF8-5CDE-472B-839B-B8BB0C881006}" type="slidenum">
               <a:rPr/>
-              <a:t>‹#›</a:t>
+              <a:t>‹Nr.›</a:t>
             </a:fld>
             <a:endParaRPr dirty="0"/>
           </a:p>
@@ -461,7 +460,7 @@
           <a:p>
             <a:fld id="{97853E5F-CE67-483C-A264-F17AC70E9CA2}" type="datetimeFigureOut">
               <a:rPr lang="en-US"/>
-              <a:t>07-Jun-18</a:t>
+              <a:t>6/7/18</a:t>
             </a:fld>
             <a:endParaRPr dirty="0"/>
           </a:p>
@@ -614,7 +613,7 @@
           <a:p>
             <a:fld id="{6BB98AFB-CB0D-4DFE-87B9-B4B0D0DE73CD}" type="slidenum">
               <a:rPr/>
-              <a:t>‹#›</a:t>
+              <a:t>‹Nr.›</a:t>
             </a:fld>
             <a:endParaRPr dirty="0"/>
           </a:p>
@@ -2323,7 +2322,7 @@
     </p:spTree>
     <p:extLst>
       <p:ext uri="{BB962C8B-B14F-4D97-AF65-F5344CB8AC3E}">
-        <p14:creationId xmlns:p14="http://schemas.microsoft.com/office/powerpoint/2010/main" val="3893513673"/>
+        <p14:creationId xmlns:p14="http://schemas.microsoft.com/office/powerpoint/2010/main" val="148487627"/>
       </p:ext>
     </p:extLst>
   </p:cSld>
@@ -2467,7 +2466,7 @@
     </p:spTree>
     <p:extLst>
       <p:ext uri="{BB962C8B-B14F-4D97-AF65-F5344CB8AC3E}">
-        <p14:creationId xmlns:p14="http://schemas.microsoft.com/office/powerpoint/2010/main" val="148487627"/>
+        <p14:creationId xmlns:p14="http://schemas.microsoft.com/office/powerpoint/2010/main" val="4144451528"/>
       </p:ext>
     </p:extLst>
   </p:cSld>
@@ -2521,7 +2520,10 @@
           <a:bodyPr/>
           <a:lstStyle/>
           <a:p>
-            <a:endParaRPr lang="en-US" dirty="0"/>
+            <a:r>
+              <a:rPr lang="en-US" dirty="0"/>
+              <a:t>And now for our solution in Action</a:t>
+            </a:r>
           </a:p>
         </p:txBody>
       </p:sp>
@@ -2590,153 +2592,6 @@
                 <a:defRPr/>
               </a:pPr>
               <a:t>22</a:t>
-            </a:fld>
-            <a:endParaRPr kumimoji="0" lang="en-US" sz="1200" b="0" i="0" u="none" strike="noStrike" kern="1200" cap="none" spc="0" normalizeH="0" baseline="0" noProof="0" dirty="0">
-              <a:ln>
-                <a:noFill/>
-              </a:ln>
-              <a:solidFill>
-                <a:prstClr val="black"/>
-              </a:solidFill>
-              <a:effectLst/>
-              <a:uLnTx/>
-              <a:uFillTx/>
-              <a:latin typeface="Palatino Linotype" panose="02040502050505030304"/>
-              <a:ea typeface="+mn-ea"/>
-              <a:cs typeface="+mn-cs"/>
-            </a:endParaRPr>
-          </a:p>
-        </p:txBody>
-      </p:sp>
-    </p:spTree>
-    <p:extLst>
-      <p:ext uri="{BB962C8B-B14F-4D97-AF65-F5344CB8AC3E}">
-        <p14:creationId xmlns:p14="http://schemas.microsoft.com/office/powerpoint/2010/main" val="4144451528"/>
-      </p:ext>
-    </p:extLst>
-  </p:cSld>
-  <p:clrMapOvr>
-    <a:masterClrMapping/>
-  </p:clrMapOvr>
-</p:notes>
-</file>
-
-<file path=ppt/notesSlides/notesSlide23.xml><?xml version="1.0" encoding="utf-8"?>
-<p:notes xmlns:a="http://schemas.openxmlformats.org/drawingml/2006/main" xmlns:r="http://schemas.openxmlformats.org/officeDocument/2006/relationships" xmlns:p="http://schemas.openxmlformats.org/presentationml/2006/main">
-  <p:cSld>
-    <p:spTree>
-      <p:nvGrpSpPr>
-        <p:cNvPr id="1" name=""/>
-        <p:cNvGrpSpPr/>
-        <p:nvPr/>
-      </p:nvGrpSpPr>
-      <p:grpSpPr>
-        <a:xfrm>
-          <a:off x="0" y="0"/>
-          <a:ext cx="0" cy="0"/>
-          <a:chOff x="0" y="0"/>
-          <a:chExt cx="0" cy="0"/>
-        </a:xfrm>
-      </p:grpSpPr>
-      <p:sp>
-        <p:nvSpPr>
-          <p:cNvPr id="2" name="Slide Image Placeholder 1"/>
-          <p:cNvSpPr>
-            <a:spLocks noGrp="1" noRot="1" noChangeAspect="1"/>
-          </p:cNvSpPr>
-          <p:nvPr>
-            <p:ph type="sldImg"/>
-          </p:nvPr>
-        </p:nvSpPr>
-        <p:spPr/>
-      </p:sp>
-      <p:sp>
-        <p:nvSpPr>
-          <p:cNvPr id="3" name="Notes Placeholder 2"/>
-          <p:cNvSpPr>
-            <a:spLocks noGrp="1"/>
-          </p:cNvSpPr>
-          <p:nvPr>
-            <p:ph type="body" idx="1"/>
-          </p:nvPr>
-        </p:nvSpPr>
-        <p:spPr/>
-        <p:txBody>
-          <a:bodyPr/>
-          <a:lstStyle/>
-          <a:p>
-            <a:r>
-              <a:rPr lang="en-US" dirty="0"/>
-              <a:t>And now for our solution in Action</a:t>
-            </a:r>
-          </a:p>
-        </p:txBody>
-      </p:sp>
-      <p:sp>
-        <p:nvSpPr>
-          <p:cNvPr id="4" name="Slide Number Placeholder 3"/>
-          <p:cNvSpPr>
-            <a:spLocks noGrp="1"/>
-          </p:cNvSpPr>
-          <p:nvPr>
-            <p:ph type="sldNum" sz="quarter" idx="10"/>
-          </p:nvPr>
-        </p:nvSpPr>
-        <p:spPr/>
-        <p:txBody>
-          <a:bodyPr/>
-          <a:lstStyle/>
-          <a:p>
-            <a:pPr marL="0" marR="0" lvl="0" indent="0" algn="r" defTabSz="914400" rtl="0" eaLnBrk="1" fontAlgn="auto" latinLnBrk="0" hangingPunct="1">
-              <a:lnSpc>
-                <a:spcPct val="100000"/>
-              </a:lnSpc>
-              <a:spcBef>
-                <a:spcPts val="0"/>
-              </a:spcBef>
-              <a:spcAft>
-                <a:spcPts val="0"/>
-              </a:spcAft>
-              <a:buClrTx/>
-              <a:buSzTx/>
-              <a:buFontTx/>
-              <a:buNone/>
-              <a:tabLst/>
-              <a:defRPr/>
-            </a:pPr>
-            <a:fld id="{6BB98AFB-CB0D-4DFE-87B9-B4B0D0DE73CD}" type="slidenum">
-              <a:rPr kumimoji="0" lang="en-US" sz="1200" b="0" i="0" u="none" strike="noStrike" kern="1200" cap="none" spc="0" normalizeH="0" baseline="0" noProof="0" smtClean="0">
-                <a:ln>
-                  <a:noFill/>
-                </a:ln>
-                <a:solidFill>
-                  <a:prstClr val="black"/>
-                </a:solidFill>
-                <a:effectLst/>
-                <a:uLnTx/>
-                <a:uFillTx/>
-                <a:latin typeface="Palatino Linotype" panose="02040502050505030304"/>
-                <a:ea typeface="+mn-ea"/>
-                <a:cs typeface="+mn-cs"/>
-              </a:rPr>
-              <a:pPr marL="0" marR="0" lvl="0" indent="0" algn="r" defTabSz="914400" rtl="0" eaLnBrk="1" fontAlgn="auto" latinLnBrk="0" hangingPunct="1">
-                <a:lnSpc>
-                  <a:spcPct val="100000"/>
-                </a:lnSpc>
-                <a:spcBef>
-                  <a:spcPts val="0"/>
-                </a:spcBef>
-                <a:spcAft>
-                  <a:spcPts val="0"/>
-                </a:spcAft>
-                <a:buClrTx/>
-                <a:buSzTx/>
-                <a:buFontTx/>
-                <a:buNone/>
-                <a:tabLst/>
-                <a:defRPr/>
-              </a:pPr>
-              <a:t>23</a:t>
             </a:fld>
             <a:endParaRPr kumimoji="0" lang="en-US" sz="1200" b="0" i="0" u="none" strike="noStrike" kern="1200" cap="none" spc="0" normalizeH="0" baseline="0" noProof="0" dirty="0">
               <a:ln>
@@ -3929,7 +3784,7 @@
           <a:p>
             <a:fld id="{3E0FA9E5-6744-4841-888F-9E7CC0C2B7EC}" type="datetimeFigureOut">
               <a:rPr lang="en-US" smtClean="0"/>
-              <a:t>07-Jun-18</a:t>
+              <a:t>6/7/18</a:t>
             </a:fld>
             <a:endParaRPr lang="en-US" dirty="0"/>
           </a:p>
@@ -3957,7 +3812,7 @@
           <a:p>
             <a:fld id="{AAEAE4A8-A6E5-453E-B946-FB774B73F48C}" type="slidenum">
               <a:rPr lang="en-US" smtClean="0"/>
-              <a:t>‹#›</a:t>
+              <a:t>‹Nr.›</a:t>
             </a:fld>
             <a:endParaRPr lang="en-US" dirty="0"/>
           </a:p>
@@ -4119,7 +3974,7 @@
           <a:p>
             <a:fld id="{3E0FA9E5-6744-4841-888F-9E7CC0C2B7EC}" type="datetimeFigureOut">
               <a:rPr lang="en-US" smtClean="0"/>
-              <a:t>07-Jun-18</a:t>
+              <a:t>6/7/18</a:t>
             </a:fld>
             <a:endParaRPr lang="en-US" dirty="0"/>
           </a:p>
@@ -4142,7 +3997,7 @@
           <a:p>
             <a:fld id="{AAEAE4A8-A6E5-453E-B946-FB774B73F48C}" type="slidenum">
               <a:rPr lang="en-US" smtClean="0"/>
-              <a:t>‹#›</a:t>
+              <a:t>‹Nr.›</a:t>
             </a:fld>
             <a:endParaRPr lang="en-US" dirty="0"/>
           </a:p>
@@ -4314,7 +4169,7 @@
           <a:p>
             <a:fld id="{3E0FA9E5-6744-4841-888F-9E7CC0C2B7EC}" type="datetimeFigureOut">
               <a:rPr lang="en-US" smtClean="0"/>
-              <a:t>07-Jun-18</a:t>
+              <a:t>6/7/18</a:t>
             </a:fld>
             <a:endParaRPr lang="en-US" dirty="0"/>
           </a:p>
@@ -4337,7 +4192,7 @@
           <a:p>
             <a:fld id="{AAEAE4A8-A6E5-453E-B946-FB774B73F48C}" type="slidenum">
               <a:rPr lang="en-US" smtClean="0"/>
-              <a:t>‹#›</a:t>
+              <a:t>‹Nr.›</a:t>
             </a:fld>
             <a:endParaRPr lang="en-US" dirty="0"/>
           </a:p>
@@ -4499,7 +4354,7 @@
           <a:p>
             <a:fld id="{3E0FA9E5-6744-4841-888F-9E7CC0C2B7EC}" type="datetimeFigureOut">
               <a:rPr lang="en-US" smtClean="0"/>
-              <a:t>07-Jun-18</a:t>
+              <a:t>6/7/18</a:t>
             </a:fld>
             <a:endParaRPr lang="en-US" dirty="0"/>
           </a:p>
@@ -4522,7 +4377,7 @@
           <a:p>
             <a:fld id="{AAEAE4A8-A6E5-453E-B946-FB774B73F48C}" type="slidenum">
               <a:rPr lang="en-US" smtClean="0"/>
-              <a:t>‹#›</a:t>
+              <a:t>‹Nr.›</a:t>
             </a:fld>
             <a:endParaRPr lang="en-US" dirty="0"/>
           </a:p>
@@ -4768,7 +4623,7 @@
           <a:p>
             <a:fld id="{3E0FA9E5-6744-4841-888F-9E7CC0C2B7EC}" type="datetimeFigureOut">
               <a:rPr lang="en-US" smtClean="0"/>
-              <a:t>07-Jun-18</a:t>
+              <a:t>6/7/18</a:t>
             </a:fld>
             <a:endParaRPr lang="en-US" dirty="0"/>
           </a:p>
@@ -4791,7 +4646,7 @@
           <a:p>
             <a:fld id="{AAEAE4A8-A6E5-453E-B946-FB774B73F48C}" type="slidenum">
               <a:rPr lang="en-US" smtClean="0"/>
-              <a:t>‹#›</a:t>
+              <a:t>‹Nr.›</a:t>
             </a:fld>
             <a:endParaRPr lang="en-US" dirty="0"/>
           </a:p>
@@ -5075,7 +4930,7 @@
           <a:p>
             <a:fld id="{3E0FA9E5-6744-4841-888F-9E7CC0C2B7EC}" type="datetimeFigureOut">
               <a:rPr lang="en-US" smtClean="0"/>
-              <a:t>07-Jun-18</a:t>
+              <a:t>6/7/18</a:t>
             </a:fld>
             <a:endParaRPr lang="en-US" dirty="0"/>
           </a:p>
@@ -5098,7 +4953,7 @@
           <a:p>
             <a:fld id="{AAEAE4A8-A6E5-453E-B946-FB774B73F48C}" type="slidenum">
               <a:rPr lang="en-US" smtClean="0"/>
-              <a:t>‹#›</a:t>
+              <a:t>‹Nr.›</a:t>
             </a:fld>
             <a:endParaRPr lang="en-US" dirty="0"/>
           </a:p>
@@ -5531,7 +5386,7 @@
           <a:p>
             <a:fld id="{3E0FA9E5-6744-4841-888F-9E7CC0C2B7EC}" type="datetimeFigureOut">
               <a:rPr lang="en-US" smtClean="0"/>
-              <a:t>07-Jun-18</a:t>
+              <a:t>6/7/18</a:t>
             </a:fld>
             <a:endParaRPr lang="en-US" dirty="0"/>
           </a:p>
@@ -5554,7 +5409,7 @@
           <a:p>
             <a:fld id="{AAEAE4A8-A6E5-453E-B946-FB774B73F48C}" type="slidenum">
               <a:rPr lang="en-US" smtClean="0"/>
-              <a:t>‹#›</a:t>
+              <a:t>‹Nr.›</a:t>
             </a:fld>
             <a:endParaRPr lang="en-US" dirty="0"/>
           </a:p>
@@ -5664,7 +5519,7 @@
           <a:p>
             <a:fld id="{3E0FA9E5-6744-4841-888F-9E7CC0C2B7EC}" type="datetimeFigureOut">
               <a:rPr lang="en-US" smtClean="0"/>
-              <a:t>07-Jun-18</a:t>
+              <a:t>6/7/18</a:t>
             </a:fld>
             <a:endParaRPr lang="en-US" dirty="0"/>
           </a:p>
@@ -5687,7 +5542,7 @@
           <a:p>
             <a:fld id="{AAEAE4A8-A6E5-453E-B946-FB774B73F48C}" type="slidenum">
               <a:rPr lang="en-US" smtClean="0"/>
-              <a:t>‹#›</a:t>
+              <a:t>‹Nr.›</a:t>
             </a:fld>
             <a:endParaRPr lang="en-US" dirty="0"/>
           </a:p>
@@ -5774,7 +5629,7 @@
           <a:p>
             <a:fld id="{3E0FA9E5-6744-4841-888F-9E7CC0C2B7EC}" type="datetimeFigureOut">
               <a:rPr lang="en-US" smtClean="0"/>
-              <a:t>07-Jun-18</a:t>
+              <a:t>6/7/18</a:t>
             </a:fld>
             <a:endParaRPr lang="en-US" dirty="0"/>
           </a:p>
@@ -5797,7 +5652,7 @@
           <a:p>
             <a:fld id="{AAEAE4A8-A6E5-453E-B946-FB774B73F48C}" type="slidenum">
               <a:rPr lang="en-US" smtClean="0"/>
-              <a:t>‹#›</a:t>
+              <a:t>‹Nr.›</a:t>
             </a:fld>
             <a:endParaRPr lang="en-US" dirty="0"/>
           </a:p>
@@ -6085,7 +5940,7 @@
           <a:p>
             <a:fld id="{3E0FA9E5-6744-4841-888F-9E7CC0C2B7EC}" type="datetimeFigureOut">
               <a:rPr lang="en-US" smtClean="0"/>
-              <a:t>07-Jun-18</a:t>
+              <a:t>6/7/18</a:t>
             </a:fld>
             <a:endParaRPr lang="en-US" dirty="0"/>
           </a:p>
@@ -6108,7 +5963,7 @@
           <a:p>
             <a:fld id="{AAEAE4A8-A6E5-453E-B946-FB774B73F48C}" type="slidenum">
               <a:rPr lang="en-US" smtClean="0"/>
-              <a:t>‹#›</a:t>
+              <a:t>‹Nr.›</a:t>
             </a:fld>
             <a:endParaRPr lang="en-US" dirty="0"/>
           </a:p>
@@ -6562,7 +6417,7 @@
             <a:fld id="{3E0FA9E5-6744-4841-888F-9E7CC0C2B7EC}" type="datetimeFigureOut">
               <a:rPr lang="en-US" smtClean="0"/>
               <a:pPr/>
-              <a:t>07-Jun-18</a:t>
+              <a:t>6/7/18</a:t>
             </a:fld>
             <a:endParaRPr lang="en-US" dirty="0"/>
           </a:p>
@@ -6602,7 +6457,7 @@
             <a:fld id="{AAEAE4A8-A6E5-453E-B946-FB774B73F48C}" type="slidenum">
               <a:rPr lang="en-US" smtClean="0"/>
               <a:pPr/>
-              <a:t>‹#›</a:t>
+              <a:t>‹Nr.›</a:t>
             </a:fld>
             <a:endParaRPr lang="en-US" dirty="0"/>
           </a:p>
@@ -7019,7 +6874,7 @@
           <a:p>
             <a:r>
               <a:rPr lang="en-US" dirty="0"/>
-              <a:t>A process for the people of tomorrow</a:t>
+              <a:t>An insurance process for the people of tomorrow</a:t>
             </a:r>
           </a:p>
           <a:p>
@@ -7104,7 +6959,7 @@
         </p:blipFill>
         <p:spPr>
           <a:xfrm>
-            <a:off x="2998068" y="5373216"/>
+            <a:off x="2998068" y="4108976"/>
             <a:ext cx="2784432" cy="1397000"/>
           </a:xfrm>
           <a:prstGeom prst="rect">
@@ -7744,7 +7599,7 @@
       </p:grpSpPr>
       <p:pic>
         <p:nvPicPr>
-          <p:cNvPr id="7" name="Content Placeholder 6" descr="A screenshot of a cell phone&#10;&#10;Description generated with very high confidence">
+          <p:cNvPr id="7" name="Content Placeholder 6">
             <a:extLst>
               <a:ext uri="{FF2B5EF4-FFF2-40B4-BE49-F238E27FC236}">
                 <a16:creationId xmlns:a16="http://schemas.microsoft.com/office/drawing/2014/main" id="{6C52E0ED-D22C-4FBC-8BDD-C3327894656F}"/>
@@ -7772,8 +7627,8 @@
         </p:blipFill>
         <p:spPr>
           <a:xfrm>
-            <a:off x="1711149" y="1310738"/>
-            <a:ext cx="8040864" cy="4236524"/>
+            <a:off x="1711149" y="1616151"/>
+            <a:ext cx="8040864" cy="3625698"/>
           </a:xfrm>
         </p:spPr>
       </p:pic>
@@ -7854,7 +7709,7 @@
       </p:sp>
       <p:pic>
         <p:nvPicPr>
-          <p:cNvPr id="7" name="Content Placeholder 6" descr="A screenshot of a cell phone&#10;&#10;Description generated with very high confidence">
+          <p:cNvPr id="7" name="Content Placeholder 6">
             <a:extLst>
               <a:ext uri="{FF2B5EF4-FFF2-40B4-BE49-F238E27FC236}">
                 <a16:creationId xmlns:a16="http://schemas.microsoft.com/office/drawing/2014/main" id="{6C52E0ED-D22C-4FBC-8BDD-C3327894656F}"/>
@@ -7882,8 +7737,8 @@
         </p:blipFill>
         <p:spPr>
           <a:xfrm>
-            <a:off x="504251" y="260648"/>
-            <a:ext cx="29794102" cy="15697744"/>
+            <a:off x="333772" y="260648"/>
+            <a:ext cx="29794102" cy="13434431"/>
           </a:xfrm>
         </p:spPr>
       </p:pic>
@@ -7964,7 +7819,7 @@
       </p:sp>
       <p:pic>
         <p:nvPicPr>
-          <p:cNvPr id="7" name="Content Placeholder 6" descr="A screenshot of a cell phone&#10;&#10;Description generated with very high confidence">
+          <p:cNvPr id="7" name="Content Placeholder 6">
             <a:extLst>
               <a:ext uri="{FF2B5EF4-FFF2-40B4-BE49-F238E27FC236}">
                 <a16:creationId xmlns:a16="http://schemas.microsoft.com/office/drawing/2014/main" id="{6C52E0ED-D22C-4FBC-8BDD-C3327894656F}"/>
@@ -7992,8 +7847,8 @@
         </p:blipFill>
         <p:spPr>
           <a:xfrm>
-            <a:off x="1225278" y="-7631776"/>
-            <a:ext cx="37618037" cy="19819973"/>
+            <a:off x="-6434980" y="-6508104"/>
+            <a:ext cx="37618037" cy="16962314"/>
           </a:xfrm>
         </p:spPr>
       </p:pic>
@@ -8074,7 +7929,7 @@
       </p:sp>
       <p:pic>
         <p:nvPicPr>
-          <p:cNvPr id="7" name="Content Placeholder 6" descr="A screenshot of a cell phone&#10;&#10;Description generated with very high confidence">
+          <p:cNvPr id="7" name="Content Placeholder 6">
             <a:extLst>
               <a:ext uri="{FF2B5EF4-FFF2-40B4-BE49-F238E27FC236}">
                 <a16:creationId xmlns:a16="http://schemas.microsoft.com/office/drawing/2014/main" id="{6C52E0ED-D22C-4FBC-8BDD-C3327894656F}"/>
@@ -8102,8 +7957,8 @@
         </p:blipFill>
         <p:spPr>
           <a:xfrm>
-            <a:off x="-3986708" y="-3905493"/>
-            <a:ext cx="21101250" cy="11117705"/>
+            <a:off x="-5786908" y="-2656745"/>
+            <a:ext cx="21101250" cy="9514745"/>
           </a:xfrm>
         </p:spPr>
       </p:pic>
@@ -8268,7 +8123,7 @@
       </p:sp>
       <p:pic>
         <p:nvPicPr>
-          <p:cNvPr id="7" name="Content Placeholder 6" descr="A screenshot of a cell phone&#10;&#10;Description generated with very high confidence">
+          <p:cNvPr id="7" name="Content Placeholder 6">
             <a:extLst>
               <a:ext uri="{FF2B5EF4-FFF2-40B4-BE49-F238E27FC236}">
                 <a16:creationId xmlns:a16="http://schemas.microsoft.com/office/drawing/2014/main" id="{6C52E0ED-D22C-4FBC-8BDD-C3327894656F}"/>
@@ -8296,15 +8151,15 @@
         </p:blipFill>
         <p:spPr>
           <a:xfrm>
-            <a:off x="-6795020" y="-5232719"/>
-            <a:ext cx="23909562" cy="12597332"/>
+            <a:off x="-5858916" y="-459432"/>
+            <a:ext cx="17892265" cy="8067784"/>
           </a:xfrm>
         </p:spPr>
       </p:pic>
     </p:spTree>
     <p:extLst>
       <p:ext uri="{BB962C8B-B14F-4D97-AF65-F5344CB8AC3E}">
-        <p14:creationId xmlns:p14="http://schemas.microsoft.com/office/powerpoint/2010/main" val="1924124929"/>
+        <p14:creationId xmlns:p14="http://schemas.microsoft.com/office/powerpoint/2010/main" val="1666001934"/>
       </p:ext>
     </p:extLst>
   </p:cSld>
@@ -8329,235 +8184,6 @@
 <file path=ppt/slides/slide21.xml><?xml version="1.0" encoding="utf-8"?>
 <p:sld xmlns:a="http://schemas.openxmlformats.org/drawingml/2006/main" xmlns:r="http://schemas.openxmlformats.org/officeDocument/2006/relationships" xmlns:p="http://schemas.openxmlformats.org/presentationml/2006/main">
   <p:cSld>
-    <p:bg>
-      <p:bgPr>
-        <a:solidFill>
-          <a:schemeClr val="bg1"/>
-        </a:solidFill>
-        <a:effectLst/>
-      </p:bgPr>
-    </p:bg>
-    <p:spTree>
-      <p:nvGrpSpPr>
-        <p:cNvPr id="1" name=""/>
-        <p:cNvGrpSpPr/>
-        <p:nvPr/>
-      </p:nvGrpSpPr>
-      <p:grpSpPr>
-        <a:xfrm>
-          <a:off x="0" y="0"/>
-          <a:ext cx="0" cy="0"/>
-          <a:chOff x="0" y="0"/>
-          <a:chExt cx="0" cy="0"/>
-        </a:xfrm>
-      </p:grpSpPr>
-      <p:sp>
-        <p:nvSpPr>
-          <p:cNvPr id="5" name="Title 4">
-            <a:extLst>
-              <a:ext uri="{FF2B5EF4-FFF2-40B4-BE49-F238E27FC236}">
-                <a16:creationId xmlns:a16="http://schemas.microsoft.com/office/drawing/2014/main" id="{8725376A-807B-4450-B6F2-C6B13B03A41B}"/>
-              </a:ext>
-            </a:extLst>
-          </p:cNvPr>
-          <p:cNvSpPr>
-            <a:spLocks noGrp="1"/>
-          </p:cNvSpPr>
-          <p:nvPr>
-            <p:ph type="title"/>
-          </p:nvPr>
-        </p:nvSpPr>
-        <p:spPr/>
-        <p:txBody>
-          <a:bodyPr/>
-          <a:lstStyle/>
-          <a:p>
-            <a:endParaRPr lang="en-US" dirty="0"/>
-          </a:p>
-        </p:txBody>
-      </p:sp>
-      <p:pic>
-        <p:nvPicPr>
-          <p:cNvPr id="7" name="Content Placeholder 6" descr="A screenshot of a cell phone&#10;&#10;Description generated with very high confidence">
-            <a:extLst>
-              <a:ext uri="{FF2B5EF4-FFF2-40B4-BE49-F238E27FC236}">
-                <a16:creationId xmlns:a16="http://schemas.microsoft.com/office/drawing/2014/main" id="{6C52E0ED-D22C-4FBC-8BDD-C3327894656F}"/>
-              </a:ext>
-            </a:extLst>
-          </p:cNvPr>
-          <p:cNvPicPr>
-            <a:picLocks noGrp="1" noChangeAspect="1"/>
-          </p:cNvPicPr>
-          <p:nvPr>
-            <p:ph idx="1"/>
-          </p:nvPr>
-        </p:nvPicPr>
-        <p:blipFill>
-          <a:blip r:embed="rId3">
-            <a:extLst>
-              <a:ext uri="{28A0092B-C50C-407E-A947-70E740481C1C}">
-                <a14:useLocalDpi xmlns:a14="http://schemas.microsoft.com/office/drawing/2010/main" val="0"/>
-              </a:ext>
-            </a:extLst>
-          </a:blip>
-          <a:stretch>
-            <a:fillRect/>
-          </a:stretch>
-        </p:blipFill>
-        <p:spPr>
-          <a:xfrm>
-            <a:off x="-6509321" y="4936"/>
-            <a:ext cx="17892265" cy="9426973"/>
-          </a:xfrm>
-        </p:spPr>
-      </p:pic>
-      <p:sp>
-        <p:nvSpPr>
-          <p:cNvPr id="2" name="TextBox 1">
-            <a:extLst>
-              <a:ext uri="{FF2B5EF4-FFF2-40B4-BE49-F238E27FC236}">
-                <a16:creationId xmlns:a16="http://schemas.microsoft.com/office/drawing/2014/main" id="{22CF7553-CD88-4F27-A36B-75940AAD0901}"/>
-              </a:ext>
-            </a:extLst>
-          </p:cNvPr>
-          <p:cNvSpPr txBox="1"/>
-          <p:nvPr/>
-        </p:nvSpPr>
-        <p:spPr>
-          <a:xfrm rot="5400000">
-            <a:off x="10563554" y="715434"/>
-            <a:ext cx="1800200" cy="369332"/>
-          </a:xfrm>
-          <a:prstGeom prst="rect">
-            <a:avLst/>
-          </a:prstGeom>
-          <a:noFill/>
-          <a:ln>
-            <a:noFill/>
-          </a:ln>
-        </p:spPr>
-        <p:txBody>
-          <a:bodyPr wrap="square" rtlCol="0" anchor="ctr" anchorCtr="1">
-            <a:spAutoFit/>
-          </a:bodyPr>
-          <a:lstStyle/>
-          <a:p>
-            <a:r>
-              <a:rPr lang="en-US" b="1" dirty="0"/>
-              <a:t>Customer</a:t>
-            </a:r>
-          </a:p>
-        </p:txBody>
-      </p:sp>
-    </p:spTree>
-    <p:extLst>
-      <p:ext uri="{BB962C8B-B14F-4D97-AF65-F5344CB8AC3E}">
-        <p14:creationId xmlns:p14="http://schemas.microsoft.com/office/powerpoint/2010/main" val="1666001934"/>
-      </p:ext>
-    </p:extLst>
-  </p:cSld>
-  <p:clrMapOvr>
-    <a:masterClrMapping/>
-  </p:clrMapOvr>
-  <mc:AlternateContent xmlns:mc="http://schemas.openxmlformats.org/markup-compatibility/2006" xmlns:p159="http://schemas.microsoft.com/office/powerpoint/2015/09/main">
-    <mc:Choice Requires="p159">
-      <p:transition xmlns:p14="http://schemas.microsoft.com/office/powerpoint/2010/main" spd="slow" p14:dur="2000">
-        <p159:morph option="byObject"/>
-      </p:transition>
-    </mc:Choice>
-    <mc:Fallback xmlns="">
-      <p:transition spd="slow">
-        <p:fade/>
-      </p:transition>
-    </mc:Fallback>
-  </mc:AlternateContent>
-  <p:timing>
-    <p:tnLst>
-      <p:par>
-        <p:cTn id="1" dur="indefinite" restart="never" nodeType="tmRoot">
-          <p:childTnLst>
-            <p:seq concurrent="1" nextAc="seek">
-              <p:cTn id="2" dur="indefinite" nodeType="mainSeq">
-                <p:childTnLst>
-                  <p:par>
-                    <p:cTn id="3" fill="hold">
-                      <p:stCondLst>
-                        <p:cond delay="indefinite"/>
-                        <p:cond evt="onBegin" delay="0">
-                          <p:tn val="2"/>
-                        </p:cond>
-                      </p:stCondLst>
-                      <p:childTnLst>
-                        <p:par>
-                          <p:cTn id="4" fill="hold">
-                            <p:stCondLst>
-                              <p:cond delay="0"/>
-                            </p:stCondLst>
-                            <p:childTnLst>
-                              <p:par>
-                                <p:cTn id="5" presetID="1" presetClass="entr" presetSubtype="0" fill="hold" grpId="0" nodeType="withEffect">
-                                  <p:stCondLst>
-                                    <p:cond delay="0"/>
-                                  </p:stCondLst>
-                                  <p:childTnLst>
-                                    <p:set>
-                                      <p:cBhvr>
-                                        <p:cTn id="6" dur="1" fill="hold">
-                                          <p:stCondLst>
-                                            <p:cond delay="0"/>
-                                          </p:stCondLst>
-                                        </p:cTn>
-                                        <p:tgtEl>
-                                          <p:spTgt spid="2"/>
-                                        </p:tgtEl>
-                                        <p:attrNameLst>
-                                          <p:attrName>style.visibility</p:attrName>
-                                        </p:attrNameLst>
-                                      </p:cBhvr>
-                                      <p:to>
-                                        <p:strVal val="visible"/>
-                                      </p:to>
-                                    </p:set>
-                                  </p:childTnLst>
-                                </p:cTn>
-                              </p:par>
-                            </p:childTnLst>
-                          </p:cTn>
-                        </p:par>
-                      </p:childTnLst>
-                    </p:cTn>
-                  </p:par>
-                </p:childTnLst>
-              </p:cTn>
-              <p:prevCondLst>
-                <p:cond evt="onPrev" delay="0">
-                  <p:tgtEl>
-                    <p:sldTgt/>
-                  </p:tgtEl>
-                </p:cond>
-              </p:prevCondLst>
-              <p:nextCondLst>
-                <p:cond evt="onNext" delay="0">
-                  <p:tgtEl>
-                    <p:sldTgt/>
-                  </p:tgtEl>
-                </p:cond>
-              </p:nextCondLst>
-            </p:seq>
-          </p:childTnLst>
-        </p:cTn>
-      </p:par>
-    </p:tnLst>
-    <p:bldLst>
-      <p:bldP spid="2" grpId="0"/>
-    </p:bldLst>
-  </p:timing>
-</p:sld>
-</file>
-
-<file path=ppt/slides/slide22.xml><?xml version="1.0" encoding="utf-8"?>
-<p:sld xmlns:a="http://schemas.openxmlformats.org/drawingml/2006/main" xmlns:r="http://schemas.openxmlformats.org/officeDocument/2006/relationships" xmlns:p="http://schemas.openxmlformats.org/presentationml/2006/main">
-  <p:cSld>
     <p:spTree>
       <p:nvGrpSpPr>
         <p:cNvPr id="1" name=""/>
@@ -8574,7 +8200,7 @@
       </p:grpSpPr>
       <p:pic>
         <p:nvPicPr>
-          <p:cNvPr id="7" name="Content Placeholder 6" descr="A screenshot of a cell phone&#10;&#10;Description generated with very high confidence">
+          <p:cNvPr id="7" name="Content Placeholder 6">
             <a:extLst>
               <a:ext uri="{FF2B5EF4-FFF2-40B4-BE49-F238E27FC236}">
                 <a16:creationId xmlns:a16="http://schemas.microsoft.com/office/drawing/2014/main" id="{6C52E0ED-D22C-4FBC-8BDD-C3327894656F}"/>
@@ -8602,8 +8228,8 @@
         </p:blipFill>
         <p:spPr>
           <a:xfrm>
-            <a:off x="1711149" y="1310738"/>
-            <a:ext cx="8040864" cy="4236524"/>
+            <a:off x="1711149" y="1616151"/>
+            <a:ext cx="8040864" cy="3625698"/>
           </a:xfrm>
         </p:spPr>
       </p:pic>
@@ -8628,7 +8254,7 @@
 </p:sld>
 </file>
 
-<file path=ppt/slides/slide23.xml><?xml version="1.0" encoding="utf-8"?>
+<file path=ppt/slides/slide22.xml><?xml version="1.0" encoding="utf-8"?>
 <p:sld xmlns:a="http://schemas.openxmlformats.org/drawingml/2006/main" xmlns:r="http://schemas.openxmlformats.org/officeDocument/2006/relationships" xmlns:p="http://schemas.openxmlformats.org/presentationml/2006/main">
   <p:cSld>
     <p:bg>
